--- a/WEEK05_Data_Preprocess/WEEK05.pptx
+++ b/WEEK05_Data_Preprocess/WEEK05.pptx
@@ -3537,11 +3537,11 @@
   <p:clrMapOvr>
     <a:masterClrMapping/>
   </p:clrMapOvr>
-  <mc:AlternateContent xmlns:mc="http://schemas.openxmlformats.org/markup-compatibility/2006">
-    <mc:Choice xmlns:p14="http://schemas.microsoft.com/office/powerpoint/2010/main" Requires="p14">
+  <mc:AlternateContent xmlns:mc="http://schemas.openxmlformats.org/markup-compatibility/2006" xmlns:p14="http://schemas.microsoft.com/office/powerpoint/2010/main">
+    <mc:Choice Requires="p14">
       <p:transition spd="slow" p14:dur="2000"/>
     </mc:Choice>
-    <mc:Fallback>
+    <mc:Fallback xmlns="">
       <p:transition spd="slow"/>
     </mc:Fallback>
   </mc:AlternateContent>
@@ -3669,11 +3669,11 @@
   <p:clrMapOvr>
     <a:masterClrMapping/>
   </p:clrMapOvr>
-  <mc:AlternateContent xmlns:mc="http://schemas.openxmlformats.org/markup-compatibility/2006">
-    <mc:Choice xmlns:p14="http://schemas.microsoft.com/office/powerpoint/2010/main" Requires="p14">
+  <mc:AlternateContent xmlns:mc="http://schemas.openxmlformats.org/markup-compatibility/2006" xmlns:p14="http://schemas.microsoft.com/office/powerpoint/2010/main">
+    <mc:Choice Requires="p14">
       <p:transition spd="slow" p14:dur="2000"/>
     </mc:Choice>
-    <mc:Fallback>
+    <mc:Fallback xmlns="">
       <p:transition spd="slow"/>
     </mc:Fallback>
   </mc:AlternateContent>
@@ -3774,11 +3774,11 @@
   <p:clrMapOvr>
     <a:masterClrMapping/>
   </p:clrMapOvr>
-  <mc:AlternateContent xmlns:mc="http://schemas.openxmlformats.org/markup-compatibility/2006">
-    <mc:Choice xmlns:p14="http://schemas.microsoft.com/office/powerpoint/2010/main" Requires="p14">
+  <mc:AlternateContent xmlns:mc="http://schemas.openxmlformats.org/markup-compatibility/2006" xmlns:p14="http://schemas.microsoft.com/office/powerpoint/2010/main">
+    <mc:Choice Requires="p14">
       <p:transition spd="slow" p14:dur="2000"/>
     </mc:Choice>
-    <mc:Fallback>
+    <mc:Fallback xmlns="">
       <p:transition spd="slow"/>
     </mc:Fallback>
   </mc:AlternateContent>
@@ -4010,11 +4010,11 @@
   <p:clrMapOvr>
     <a:masterClrMapping/>
   </p:clrMapOvr>
-  <mc:AlternateContent xmlns:mc="http://schemas.openxmlformats.org/markup-compatibility/2006">
-    <mc:Choice xmlns:p14="http://schemas.microsoft.com/office/powerpoint/2010/main" Requires="p14">
+  <mc:AlternateContent xmlns:mc="http://schemas.openxmlformats.org/markup-compatibility/2006" xmlns:p14="http://schemas.microsoft.com/office/powerpoint/2010/main">
+    <mc:Choice Requires="p14">
       <p:transition spd="slow" p14:dur="2000"/>
     </mc:Choice>
-    <mc:Fallback>
+    <mc:Fallback xmlns="">
       <p:transition spd="slow"/>
     </mc:Fallback>
   </mc:AlternateContent>
@@ -4112,11 +4112,11 @@
   <p:clrMapOvr>
     <a:masterClrMapping/>
   </p:clrMapOvr>
-  <mc:AlternateContent xmlns:mc="http://schemas.openxmlformats.org/markup-compatibility/2006">
-    <mc:Choice xmlns:p14="http://schemas.microsoft.com/office/powerpoint/2010/main" Requires="p14">
+  <mc:AlternateContent xmlns:mc="http://schemas.openxmlformats.org/markup-compatibility/2006" xmlns:p14="http://schemas.microsoft.com/office/powerpoint/2010/main">
+    <mc:Choice Requires="p14">
       <p:transition spd="slow" p14:dur="2000"/>
     </mc:Choice>
-    <mc:Fallback>
+    <mc:Fallback xmlns="">
       <p:transition spd="slow"/>
     </mc:Fallback>
   </mc:AlternateContent>
@@ -4251,11 +4251,11 @@
   <p:clrMapOvr>
     <a:masterClrMapping/>
   </p:clrMapOvr>
-  <mc:AlternateContent xmlns:mc="http://schemas.openxmlformats.org/markup-compatibility/2006">
-    <mc:Choice xmlns:p14="http://schemas.microsoft.com/office/powerpoint/2010/main" Requires="p14">
+  <mc:AlternateContent xmlns:mc="http://schemas.openxmlformats.org/markup-compatibility/2006" xmlns:p14="http://schemas.microsoft.com/office/powerpoint/2010/main">
+    <mc:Choice Requires="p14">
       <p:transition spd="slow" p14:dur="2000"/>
     </mc:Choice>
-    <mc:Fallback>
+    <mc:Fallback xmlns="">
       <p:transition spd="slow"/>
     </mc:Fallback>
   </mc:AlternateContent>
@@ -4489,11 +4489,11 @@
   <p:clrMapOvr>
     <a:masterClrMapping/>
   </p:clrMapOvr>
-  <mc:AlternateContent xmlns:mc="http://schemas.openxmlformats.org/markup-compatibility/2006">
-    <mc:Choice xmlns:p14="http://schemas.microsoft.com/office/powerpoint/2010/main" Requires="p14">
+  <mc:AlternateContent xmlns:mc="http://schemas.openxmlformats.org/markup-compatibility/2006" xmlns:p14="http://schemas.microsoft.com/office/powerpoint/2010/main">
+    <mc:Choice Requires="p14">
       <p:transition spd="slow" p14:dur="2000"/>
     </mc:Choice>
-    <mc:Fallback>
+    <mc:Fallback xmlns="">
       <p:transition spd="slow"/>
     </mc:Fallback>
   </mc:AlternateContent>
@@ -4591,18 +4591,7 @@
                 <a:ea typeface="+mj-ea"/>
                 <a:cs typeface="+mj-cs"/>
               </a:rPr>
-              <a:t>2</a:t>
-            </a:r>
-            <a:r>
-              <a:rPr lang="en-US" altLang="zh-TW" sz="4400" dirty="0" smtClean="0">
-                <a:solidFill>
-                  <a:srgbClr val="FF0000"/>
-                </a:solidFill>
-                <a:latin typeface="Arial Rounded MT Bold" panose="020F0704030504030204" pitchFamily="34" charset="0"/>
-                <a:ea typeface="+mj-ea"/>
-                <a:cs typeface="+mj-cs"/>
-              </a:rPr>
-              <a:t>. </a:t>
+              <a:t>2. </a:t>
             </a:r>
             <a:r>
               <a:rPr lang="en-US" altLang="zh-TW" sz="4400" dirty="0">
@@ -6549,8 +6538,8 @@
         </p:nvSpPr>
         <p:spPr>
           <a:xfrm>
-            <a:off x="1327638" y="1722527"/>
-            <a:ext cx="1257300" cy="3416320"/>
+            <a:off x="2548596" y="5087797"/>
+            <a:ext cx="9096522" cy="646331"/>
           </a:xfrm>
           <a:prstGeom prst="rect">
             <a:avLst/>
@@ -6570,12 +6559,13 @@
               </a:rPr>
               <a:t>可能</a:t>
             </a:r>
-            <a:endParaRPr lang="en-US" altLang="zh-TW" sz="3600" b="1" dirty="0" smtClean="0">
-              <a:latin typeface="標楷體" panose="03000509000000000000" pitchFamily="65" charset="-120"/>
-              <a:ea typeface="標楷體" panose="03000509000000000000" pitchFamily="65" charset="-120"/>
-            </a:endParaRPr>
-          </a:p>
-          <a:p>
+            <a:r>
+              <a:rPr lang="en-US" altLang="zh-TW" sz="3600" b="1" dirty="0" smtClean="0">
+                <a:latin typeface="標楷體" panose="03000509000000000000" pitchFamily="65" charset="-120"/>
+                <a:ea typeface="標楷體" panose="03000509000000000000" pitchFamily="65" charset="-120"/>
+              </a:rPr>
+              <a:t>/</a:t>
+            </a:r>
             <a:r>
               <a:rPr lang="zh-TW" altLang="en-US" sz="3600" b="1" dirty="0" smtClean="0">
                 <a:latin typeface="標楷體" panose="03000509000000000000" pitchFamily="65" charset="-120"/>
@@ -6583,12 +6573,13 @@
               </a:rPr>
               <a:t>應該</a:t>
             </a:r>
-            <a:endParaRPr lang="en-US" altLang="zh-TW" sz="3600" b="1" dirty="0" smtClean="0">
-              <a:latin typeface="標楷體" panose="03000509000000000000" pitchFamily="65" charset="-120"/>
-              <a:ea typeface="標楷體" panose="03000509000000000000" pitchFamily="65" charset="-120"/>
-            </a:endParaRPr>
-          </a:p>
-          <a:p>
+            <a:r>
+              <a:rPr lang="en-US" altLang="zh-TW" sz="3600" b="1" dirty="0" smtClean="0">
+                <a:latin typeface="標楷體" panose="03000509000000000000" pitchFamily="65" charset="-120"/>
+                <a:ea typeface="標楷體" panose="03000509000000000000" pitchFamily="65" charset="-120"/>
+              </a:rPr>
+              <a:t>/</a:t>
+            </a:r>
             <a:r>
               <a:rPr lang="zh-TW" altLang="en-US" sz="3600" b="1" dirty="0" smtClean="0">
                 <a:latin typeface="標楷體" panose="03000509000000000000" pitchFamily="65" charset="-120"/>
@@ -6596,12 +6587,13 @@
               </a:rPr>
               <a:t>必須</a:t>
             </a:r>
-            <a:endParaRPr lang="en-US" altLang="zh-TW" sz="3600" b="1" dirty="0" smtClean="0">
-              <a:latin typeface="標楷體" panose="03000509000000000000" pitchFamily="65" charset="-120"/>
-              <a:ea typeface="標楷體" panose="03000509000000000000" pitchFamily="65" charset="-120"/>
-            </a:endParaRPr>
-          </a:p>
-          <a:p>
+            <a:r>
+              <a:rPr lang="en-US" altLang="zh-TW" sz="3600" b="1" dirty="0" smtClean="0">
+                <a:latin typeface="標楷體" panose="03000509000000000000" pitchFamily="65" charset="-120"/>
+                <a:ea typeface="標楷體" panose="03000509000000000000" pitchFamily="65" charset="-120"/>
+              </a:rPr>
+              <a:t>/</a:t>
+            </a:r>
             <a:r>
               <a:rPr lang="zh-TW" altLang="en-US" sz="3600" b="1" dirty="0" smtClean="0">
                 <a:latin typeface="標楷體" panose="03000509000000000000" pitchFamily="65" charset="-120"/>
@@ -6609,12 +6601,13 @@
               </a:rPr>
               <a:t>可以</a:t>
             </a:r>
-            <a:endParaRPr lang="en-US" altLang="zh-TW" sz="3600" b="1" dirty="0" smtClean="0">
-              <a:latin typeface="標楷體" panose="03000509000000000000" pitchFamily="65" charset="-120"/>
-              <a:ea typeface="標楷體" panose="03000509000000000000" pitchFamily="65" charset="-120"/>
-            </a:endParaRPr>
-          </a:p>
-          <a:p>
+            <a:r>
+              <a:rPr lang="en-US" altLang="zh-TW" sz="3600" b="1" dirty="0" smtClean="0">
+                <a:latin typeface="標楷體" panose="03000509000000000000" pitchFamily="65" charset="-120"/>
+                <a:ea typeface="標楷體" panose="03000509000000000000" pitchFamily="65" charset="-120"/>
+              </a:rPr>
+              <a:t>/</a:t>
+            </a:r>
             <a:r>
               <a:rPr lang="zh-TW" altLang="en-US" sz="3600" b="1" dirty="0" smtClean="0">
                 <a:latin typeface="標楷體" panose="03000509000000000000" pitchFamily="65" charset="-120"/>
@@ -6622,23 +6615,26 @@
               </a:rPr>
               <a:t>希望</a:t>
             </a:r>
-            <a:endParaRPr lang="en-US" altLang="zh-TW" sz="3600" b="1" dirty="0" smtClean="0">
-              <a:latin typeface="標楷體" panose="03000509000000000000" pitchFamily="65" charset="-120"/>
-              <a:ea typeface="標楷體" panose="03000509000000000000" pitchFamily="65" charset="-120"/>
-            </a:endParaRPr>
-          </a:p>
-          <a:p>
-            <a:r>
-              <a:rPr lang="zh-TW" altLang="en-US" sz="3600" b="1" dirty="0">
+            <a:r>
+              <a:rPr lang="en-US" altLang="zh-TW" sz="3600" b="1" dirty="0" smtClean="0">
                 <a:latin typeface="標楷體" panose="03000509000000000000" pitchFamily="65" charset="-120"/>
                 <a:ea typeface="標楷體" panose="03000509000000000000" pitchFamily="65" charset="-120"/>
               </a:rPr>
+              <a:t>/</a:t>
+            </a:r>
+            <a:r>
+              <a:rPr lang="zh-TW" altLang="en-US" sz="3600" b="1" dirty="0" smtClean="0">
+                <a:latin typeface="標楷體" panose="03000509000000000000" pitchFamily="65" charset="-120"/>
+                <a:ea typeface="標楷體" panose="03000509000000000000" pitchFamily="65" charset="-120"/>
+              </a:rPr>
               <a:t>覺得</a:t>
             </a:r>
-            <a:endParaRPr lang="en-US" altLang="zh-TW" sz="3600" b="1" dirty="0" smtClean="0">
-              <a:latin typeface="標楷體" panose="03000509000000000000" pitchFamily="65" charset="-120"/>
-              <a:ea typeface="標楷體" panose="03000509000000000000" pitchFamily="65" charset="-120"/>
-            </a:endParaRPr>
+            <a:r>
+              <a:rPr lang="en-US" altLang="zh-TW" sz="2800" dirty="0">
+                <a:latin typeface="Arial Rounded MT Bold" panose="020F0704030504030204" pitchFamily="34" charset="0"/>
+              </a:rPr>
+              <a:t>_raw.txt</a:t>
+            </a:r>
           </a:p>
         </p:txBody>
       </p:sp>
